--- a/pinkybot/steprt.ptt.pptx
+++ b/pinkybot/steprt.ptt.pptx
@@ -104,6 +104,11 @@
       </a:defRPr>
     </a:lvl9pPr>
   </p:defaultTextStyle>
+  <p:extLst>
+    <p:ext uri="{EFAFB233-063F-42B5-8137-9DF3F51BA10A}">
+      <p15:sldGuideLst xmlns:p15="http://schemas.microsoft.com/office/powerpoint/2012/main"/>
+    </p:ext>
+  </p:extLst>
 </p:presentation>
 </file>
 
@@ -2990,7 +2995,7 @@
       </p:pic>
       <p:pic>
         <p:nvPicPr>
-          <p:cNvPr id="5" name="Picture 4"/>
+          <p:cNvPr id="6" name="Picture 5"/>
           <p:cNvPicPr>
             <a:picLocks noChangeAspect="1"/>
           </p:cNvPicPr>
@@ -3004,8 +3009,8 @@
         </p:blipFill>
         <p:spPr>
           <a:xfrm>
-            <a:off x="85725" y="2643187"/>
-            <a:ext cx="12020550" cy="1571625"/>
+            <a:off x="85725" y="4388426"/>
+            <a:ext cx="12058650" cy="1038225"/>
           </a:xfrm>
           <a:prstGeom prst="rect">
             <a:avLst/>
@@ -3014,7 +3019,7 @@
       </p:pic>
       <p:pic>
         <p:nvPicPr>
-          <p:cNvPr id="6" name="Picture 5"/>
+          <p:cNvPr id="2" name="Picture 1"/>
           <p:cNvPicPr>
             <a:picLocks noChangeAspect="1"/>
           </p:cNvPicPr>
@@ -3028,8 +3033,8 @@
         </p:blipFill>
         <p:spPr>
           <a:xfrm>
-            <a:off x="85725" y="4388426"/>
-            <a:ext cx="12058650" cy="1038225"/>
+            <a:off x="259773" y="2745798"/>
+            <a:ext cx="11049000" cy="1200150"/>
           </a:xfrm>
           <a:prstGeom prst="rect">
             <a:avLst/>
